--- a/src/morea/materials/09-recursion.pptx
+++ b/src/morea/materials/09-recursion.pptx
@@ -231,7 +231,7 @@
           <a:p>
             <a:fld id="{BB6BAE91-212C-F34F-A74B-874A8C7A7F45}" type="datetimeFigureOut">
               <a:rPr lang="en-US" smtClean="0"/>
-              <a:t>2/17/15</a:t>
+              <a:t>2/27/15</a:t>
             </a:fld>
             <a:endParaRPr lang="en-US"/>
           </a:p>
@@ -7579,7 +7579,7 @@
           <a:p>
             <a:fld id="{95D0A52A-683A-E348-B00D-319C34B8C99A}" type="datetimeFigureOut">
               <a:rPr lang="en-US" smtClean="0"/>
-              <a:t>2/17/15</a:t>
+              <a:t>2/27/15</a:t>
             </a:fld>
             <a:endParaRPr lang="en-US"/>
           </a:p>
@@ -7749,7 +7749,7 @@
           <a:p>
             <a:fld id="{95D0A52A-683A-E348-B00D-319C34B8C99A}" type="datetimeFigureOut">
               <a:rPr lang="en-US" smtClean="0"/>
-              <a:t>2/17/15</a:t>
+              <a:t>2/27/15</a:t>
             </a:fld>
             <a:endParaRPr lang="en-US"/>
           </a:p>
@@ -7929,7 +7929,7 @@
           <a:p>
             <a:fld id="{95D0A52A-683A-E348-B00D-319C34B8C99A}" type="datetimeFigureOut">
               <a:rPr lang="en-US" smtClean="0"/>
-              <a:t>2/17/15</a:t>
+              <a:t>2/27/15</a:t>
             </a:fld>
             <a:endParaRPr lang="en-US"/>
           </a:p>
@@ -8099,7 +8099,7 @@
           <a:p>
             <a:fld id="{95D0A52A-683A-E348-B00D-319C34B8C99A}" type="datetimeFigureOut">
               <a:rPr lang="en-US" smtClean="0"/>
-              <a:t>2/17/15</a:t>
+              <a:t>2/27/15</a:t>
             </a:fld>
             <a:endParaRPr lang="en-US"/>
           </a:p>
@@ -8345,7 +8345,7 @@
           <a:p>
             <a:fld id="{95D0A52A-683A-E348-B00D-319C34B8C99A}" type="datetimeFigureOut">
               <a:rPr lang="en-US" smtClean="0"/>
-              <a:t>2/17/15</a:t>
+              <a:t>2/27/15</a:t>
             </a:fld>
             <a:endParaRPr lang="en-US"/>
           </a:p>
@@ -8633,7 +8633,7 @@
           <a:p>
             <a:fld id="{95D0A52A-683A-E348-B00D-319C34B8C99A}" type="datetimeFigureOut">
               <a:rPr lang="en-US" smtClean="0"/>
-              <a:t>2/17/15</a:t>
+              <a:t>2/27/15</a:t>
             </a:fld>
             <a:endParaRPr lang="en-US"/>
           </a:p>
@@ -9055,7 +9055,7 @@
           <a:p>
             <a:fld id="{95D0A52A-683A-E348-B00D-319C34B8C99A}" type="datetimeFigureOut">
               <a:rPr lang="en-US" smtClean="0"/>
-              <a:t>2/17/15</a:t>
+              <a:t>2/27/15</a:t>
             </a:fld>
             <a:endParaRPr lang="en-US"/>
           </a:p>
@@ -9173,7 +9173,7 @@
           <a:p>
             <a:fld id="{95D0A52A-683A-E348-B00D-319C34B8C99A}" type="datetimeFigureOut">
               <a:rPr lang="en-US" smtClean="0"/>
-              <a:t>2/17/15</a:t>
+              <a:t>2/27/15</a:t>
             </a:fld>
             <a:endParaRPr lang="en-US"/>
           </a:p>
@@ -9268,7 +9268,7 @@
           <a:p>
             <a:fld id="{95D0A52A-683A-E348-B00D-319C34B8C99A}" type="datetimeFigureOut">
               <a:rPr lang="en-US" smtClean="0"/>
-              <a:t>2/17/15</a:t>
+              <a:t>2/27/15</a:t>
             </a:fld>
             <a:endParaRPr lang="en-US"/>
           </a:p>
@@ -9545,7 +9545,7 @@
           <a:p>
             <a:fld id="{95D0A52A-683A-E348-B00D-319C34B8C99A}" type="datetimeFigureOut">
               <a:rPr lang="en-US" smtClean="0"/>
-              <a:t>2/17/15</a:t>
+              <a:t>2/27/15</a:t>
             </a:fld>
             <a:endParaRPr lang="en-US"/>
           </a:p>
@@ -9798,7 +9798,7 @@
           <a:p>
             <a:fld id="{95D0A52A-683A-E348-B00D-319C34B8C99A}" type="datetimeFigureOut">
               <a:rPr lang="en-US" smtClean="0"/>
-              <a:t>2/17/15</a:t>
+              <a:t>2/27/15</a:t>
             </a:fld>
             <a:endParaRPr lang="en-US"/>
           </a:p>
@@ -10011,7 +10011,7 @@
           <a:p>
             <a:fld id="{95D0A52A-683A-E348-B00D-319C34B8C99A}" type="datetimeFigureOut">
               <a:rPr lang="en-US" smtClean="0"/>
-              <a:t>2/17/15</a:t>
+              <a:t>2/27/15</a:t>
             </a:fld>
             <a:endParaRPr lang="en-US"/>
           </a:p>
@@ -33038,15 +33038,7 @@
           <a:p>
             <a:r>
               <a:rPr lang="en-US" dirty="0" smtClean="0"/>
-              <a:t>Write a function to sum </a:t>
-            </a:r>
-            <a:r>
-              <a:rPr lang="en-US" dirty="0" smtClean="0"/>
-              <a:t>1 to </a:t>
-            </a:r>
-            <a:r>
-              <a:rPr lang="en-US" dirty="0" smtClean="0"/>
-              <a:t>N:</a:t>
+              <a:t>Write a function to sum 1 to N:</a:t>
             </a:r>
           </a:p>
           <a:p>
